--- a/PPT/J4-类和对象.pptx
+++ b/PPT/J4-类和对象.pptx
@@ -24950,7 +24950,7 @@
                 <a:latin typeface="微软雅黑" panose="020B0503020204020204" pitchFamily="34" charset="-122"/>
                 <a:ea typeface="微软雅黑" panose="020B0503020204020204" pitchFamily="34" charset="-122"/>
               </a:rPr>
-              <a:t>2020年8月11日</a:t>
+              <a:t>2020年9月17日</a:t>
             </a:fld>
             <a:endParaRPr lang="zh-CN" altLang="en-US" dirty="0">
               <a:latin typeface="微软雅黑" panose="020B0503020204020204" pitchFamily="34" charset="-122"/>
@@ -25136,7 +25136,7 @@
             <a:fld id="{EA50F75F-AD11-4973-BAED-59A0098129E9}" type="datetime2">
               <a:rPr lang="zh-CN" altLang="en-US" smtClean="0"/>
               <a:pPr/>
-              <a:t>2020年8月11日</a:t>
+              <a:t>2020年9月17日</a:t>
             </a:fld>
             <a:endParaRPr lang="zh-CN" altLang="en-US" dirty="0"/>
           </a:p>
@@ -33185,7 +33185,7 @@
             <a:fld id="{B432DCC3-517C-49BA-ABA2-B2F6E7404DD7}" type="datetime2">
               <a:rPr lang="zh-CN" altLang="en-US" smtClean="0"/>
               <a:pPr/>
-              <a:t>2020年8月11日</a:t>
+              <a:t>2020年9月17日</a:t>
             </a:fld>
             <a:endParaRPr lang="zh-CN" altLang="en-US" dirty="0"/>
           </a:p>
@@ -33744,7 +33744,7 @@
             <a:fld id="{C3F416CD-67A3-4CF0-A210-F6AF31AC147F}" type="datetimeFigureOut">
               <a:rPr lang="en-US" smtClean="0"/>
               <a:pPr algn="l" eaLnBrk="1" latinLnBrk="0" hangingPunct="1"/>
-              <a:t>8/11/2020</a:t>
+              <a:t>9/17/2020</a:t>
             </a:fld>
             <a:endParaRPr lang="en-US" sz="800" dirty="0">
               <a:solidFill>
@@ -37184,7 +37184,7 @@
             </a:r>
             <a:r>
               <a:rPr lang="zh-CN" altLang="en-US" sz="2400" dirty="0"/>
-              <a:t>、</a:t>
+              <a:t>（临时）、</a:t>
             </a:r>
             <a:r>
               <a:rPr lang="en-US" altLang="zh-CN" sz="2400" dirty="0"/>
@@ -37192,7 +37192,7 @@
             </a:r>
             <a:r>
               <a:rPr lang="zh-CN" altLang="en-US" sz="2400" dirty="0"/>
-              <a:t>等。 </a:t>
+              <a:t>（经常使用）等。 </a:t>
             </a:r>
           </a:p>
           <a:p>

--- a/PPT/J4-类和对象.pptx
+++ b/PPT/J4-类和对象.pptx
@@ -9657,7 +9657,7 @@
   <dgm:whole/>
   <dgm:extLst>
     <a:ext uri="http://schemas.microsoft.com/office/drawing/2008/diagram">
-      <dsp:dataModelExt xmlns:dsp="http://schemas.microsoft.com/office/drawing/2008/diagram" relId="rId6" minVer="http://schemas.openxmlformats.org/drawingml/2006/diagram"/>
+      <dsp:dataModelExt xmlns:dsp="http://schemas.microsoft.com/office/drawing/2008/diagram" relId="rId7" minVer="http://schemas.openxmlformats.org/drawingml/2006/diagram"/>
     </a:ext>
   </dgm:extLst>
 </dgm:dataModel>
@@ -12429,10 +12429,9 @@
             <a:buNone/>
           </a:pPr>
           <a:r>
-            <a:rPr lang="zh-CN" altLang="zh-CN" sz="2400" kern="1200" dirty="0"/>
+            <a:rPr lang="zh-CN" altLang="en-US" sz="2400" kern="1200" dirty="0"/>
             <a:t>面向对象程序设计</a:t>
           </a:r>
-          <a:endParaRPr lang="zh-CN" sz="2400" kern="1200" dirty="0"/>
         </a:p>
       </dsp:txBody>
       <dsp:txXfrm rot="10800000">
@@ -12676,7 +12675,6 @@
             <a:rPr lang="zh-CN" altLang="en-US" sz="2400" kern="1200" dirty="0"/>
             <a:t>方法过载</a:t>
           </a:r>
-          <a:endParaRPr lang="zh-CN" altLang="zh-CN" sz="2400" kern="1200" dirty="0"/>
         </a:p>
       </dsp:txBody>
       <dsp:txXfrm rot="10800000">
@@ -12798,7 +12796,6 @@
             <a:rPr lang="zh-CN" altLang="en-US" sz="2400" kern="1200" dirty="0"/>
             <a:t>类的构造方法</a:t>
           </a:r>
-          <a:endParaRPr lang="zh-CN" altLang="zh-CN" sz="2400" kern="1200" dirty="0"/>
         </a:p>
       </dsp:txBody>
       <dsp:txXfrm rot="10800000">
@@ -12923,7 +12920,6 @@
             <a:rPr lang="zh-CN" altLang="en-US" sz="2400" kern="1200" dirty="0"/>
             <a:t>类成员和实例成员</a:t>
           </a:r>
-          <a:endParaRPr lang="zh-CN" altLang="zh-CN" sz="2400" kern="1200" dirty="0"/>
         </a:p>
       </dsp:txBody>
       <dsp:txXfrm rot="10800000">
@@ -24950,7 +24946,7 @@
                 <a:latin typeface="微软雅黑" panose="020B0503020204020204" pitchFamily="34" charset="-122"/>
                 <a:ea typeface="微软雅黑" panose="020B0503020204020204" pitchFamily="34" charset="-122"/>
               </a:rPr>
-              <a:t>2020年9月17日</a:t>
+              <a:t>2020年9月24日</a:t>
             </a:fld>
             <a:endParaRPr lang="zh-CN" altLang="en-US" dirty="0">
               <a:latin typeface="微软雅黑" panose="020B0503020204020204" pitchFamily="34" charset="-122"/>
@@ -25136,7 +25132,7 @@
             <a:fld id="{EA50F75F-AD11-4973-BAED-59A0098129E9}" type="datetime2">
               <a:rPr lang="zh-CN" altLang="en-US" smtClean="0"/>
               <a:pPr/>
-              <a:t>2020年9月17日</a:t>
+              <a:t>2020年9月24日</a:t>
             </a:fld>
             <a:endParaRPr lang="zh-CN" altLang="en-US" dirty="0"/>
           </a:p>
@@ -25715,6 +25711,91 @@
     <p:extLst>
       <p:ext uri="{BB962C8B-B14F-4D97-AF65-F5344CB8AC3E}">
         <p14:creationId xmlns:p14="http://schemas.microsoft.com/office/powerpoint/2010/main" val="3627761371"/>
+      </p:ext>
+    </p:extLst>
+  </p:cSld>
+  <p:clrMapOvr>
+    <a:masterClrMapping/>
+  </p:clrMapOvr>
+</p:notes>
+</file>
+
+<file path=ppt/notesSlides/notesSlide2.xml><?xml version="1.0" encoding="utf-8"?>
+<p:notes xmlns:a="http://schemas.openxmlformats.org/drawingml/2006/main" xmlns:r="http://schemas.openxmlformats.org/officeDocument/2006/relationships" xmlns:p="http://schemas.openxmlformats.org/presentationml/2006/main">
+  <p:cSld>
+    <p:spTree>
+      <p:nvGrpSpPr>
+        <p:cNvPr id="1" name=""/>
+        <p:cNvGrpSpPr/>
+        <p:nvPr/>
+      </p:nvGrpSpPr>
+      <p:grpSpPr>
+        <a:xfrm>
+          <a:off x="0" y="0"/>
+          <a:ext cx="0" cy="0"/>
+          <a:chOff x="0" y="0"/>
+          <a:chExt cx="0" cy="0"/>
+        </a:xfrm>
+      </p:grpSpPr>
+      <p:sp>
+        <p:nvSpPr>
+          <p:cNvPr id="2" name="幻灯片图像占位符 1"/>
+          <p:cNvSpPr>
+            <a:spLocks noGrp="1" noRot="1" noChangeAspect="1"/>
+          </p:cNvSpPr>
+          <p:nvPr>
+            <p:ph type="sldImg"/>
+          </p:nvPr>
+        </p:nvSpPr>
+        <p:spPr/>
+      </p:sp>
+      <p:sp>
+        <p:nvSpPr>
+          <p:cNvPr id="3" name="备注占位符 2"/>
+          <p:cNvSpPr>
+            <a:spLocks noGrp="1"/>
+          </p:cNvSpPr>
+          <p:nvPr>
+            <p:ph type="body" idx="1"/>
+          </p:nvPr>
+        </p:nvSpPr>
+        <p:spPr/>
+        <p:txBody>
+          <a:bodyPr/>
+          <a:lstStyle/>
+          <a:p>
+            <a:endParaRPr lang="zh-CN" altLang="en-US" dirty="0"/>
+          </a:p>
+        </p:txBody>
+      </p:sp>
+      <p:sp>
+        <p:nvSpPr>
+          <p:cNvPr id="4" name="灯片编号占位符 3"/>
+          <p:cNvSpPr>
+            <a:spLocks noGrp="1"/>
+          </p:cNvSpPr>
+          <p:nvPr>
+            <p:ph type="sldNum" sz="quarter" idx="5"/>
+          </p:nvPr>
+        </p:nvSpPr>
+        <p:spPr/>
+        <p:txBody>
+          <a:bodyPr/>
+          <a:lstStyle/>
+          <a:p>
+            <a:fld id="{82869989-EB00-4EE7-BCB5-25BDC5BB29F8}" type="slidenum">
+              <a:rPr lang="en-US" altLang="zh-CN" smtClean="0"/>
+              <a:pPr/>
+              <a:t>39</a:t>
+            </a:fld>
+            <a:endParaRPr lang="zh-CN" altLang="en-US" dirty="0"/>
+          </a:p>
+        </p:txBody>
+      </p:sp>
+    </p:spTree>
+    <p:extLst>
+      <p:ext uri="{BB962C8B-B14F-4D97-AF65-F5344CB8AC3E}">
+        <p14:creationId xmlns:p14="http://schemas.microsoft.com/office/powerpoint/2010/main" val="3991856781"/>
       </p:ext>
     </p:extLst>
   </p:cSld>
@@ -33185,7 +33266,7 @@
             <a:fld id="{B432DCC3-517C-49BA-ABA2-B2F6E7404DD7}" type="datetime2">
               <a:rPr lang="zh-CN" altLang="en-US" smtClean="0"/>
               <a:pPr/>
-              <a:t>2020年9月17日</a:t>
+              <a:t>2020年9月24日</a:t>
             </a:fld>
             <a:endParaRPr lang="zh-CN" altLang="en-US" dirty="0"/>
           </a:p>
@@ -33744,7 +33825,7 @@
             <a:fld id="{C3F416CD-67A3-4CF0-A210-F6AF31AC147F}" type="datetimeFigureOut">
               <a:rPr lang="en-US" smtClean="0"/>
               <a:pPr algn="l" eaLnBrk="1" latinLnBrk="0" hangingPunct="1"/>
-              <a:t>9/17/2020</a:t>
+              <a:t>9/24/2020</a:t>
             </a:fld>
             <a:endParaRPr lang="en-US" sz="800" dirty="0">
               <a:solidFill>
@@ -42082,7 +42163,7 @@
         </p:xfrm>
         <a:graphic>
           <a:graphicData uri="http://schemas.openxmlformats.org/drawingml/2006/diagram">
-            <dgm:relIds xmlns:dgm="http://schemas.openxmlformats.org/drawingml/2006/diagram" xmlns:r="http://schemas.openxmlformats.org/officeDocument/2006/relationships" r:dm="rId2" r:lo="rId3" r:qs="rId4" r:cs="rId5"/>
+            <dgm:relIds xmlns:dgm="http://schemas.openxmlformats.org/drawingml/2006/diagram" xmlns:r="http://schemas.openxmlformats.org/officeDocument/2006/relationships" r:dm="rId3" r:lo="rId4" r:qs="rId5" r:cs="rId6"/>
           </a:graphicData>
         </a:graphic>
       </p:graphicFrame>
@@ -42545,7 +42626,7 @@
             <a:pPr lvl="2"/>
             <a:r>
               <a:rPr lang="zh-CN" altLang="en-US" dirty="0"/>
-              <a:t> 垃圾回收：实例开销的回收。</a:t>
+              <a:t> 垃圾回收：实例开销的回收。周期性回收，并不会立即回收。</a:t>
             </a:r>
           </a:p>
           <a:p>
@@ -43373,8 +43454,13 @@
             </a:pPr>
             <a:r>
               <a:rPr lang="en-US" altLang="zh-CN" dirty="0"/>
-              <a:t>}</a:t>
-            </a:r>
+              <a:t>}	//</a:t>
+            </a:r>
+            <a:r>
+              <a:rPr lang="zh-CN" altLang="en-US"/>
+              <a:t>完全没有使用时才能释放</a:t>
+            </a:r>
+            <a:endParaRPr lang="en-US" altLang="zh-CN" dirty="0"/>
           </a:p>
           <a:p>
             <a:endParaRPr lang="zh-CN" altLang="en-US" dirty="0"/>
